--- a/EOS3.pptx
+++ b/EOS3.pptx
@@ -9,12 +9,13 @@
     <p:sldId id="301" r:id="rId3"/>
     <p:sldId id="302" r:id="rId4"/>
     <p:sldId id="303" r:id="rId5"/>
-    <p:sldId id="304" r:id="rId6"/>
-    <p:sldId id="305" r:id="rId7"/>
-    <p:sldId id="306" r:id="rId8"/>
-    <p:sldId id="307" r:id="rId9"/>
-    <p:sldId id="308" r:id="rId10"/>
-    <p:sldId id="309" r:id="rId11"/>
+    <p:sldId id="310" r:id="rId6"/>
+    <p:sldId id="304" r:id="rId7"/>
+    <p:sldId id="305" r:id="rId8"/>
+    <p:sldId id="306" r:id="rId9"/>
+    <p:sldId id="307" r:id="rId10"/>
+    <p:sldId id="308" r:id="rId11"/>
+    <p:sldId id="309" r:id="rId12"/>
   </p:sldIdLst>
   <p:sldSz cx="12192000" cy="6858000"/>
   <p:notesSz cx="6858000" cy="9144000"/>
@@ -113,6 +114,11 @@
       </a:defRPr>
     </a:lvl9pPr>
   </p:defaultTextStyle>
+  <p:extLst>
+    <p:ext uri="{EFAFB233-063F-42B5-8137-9DF3F51BA10A}">
+      <p15:sldGuideLst xmlns:p15="http://schemas.microsoft.com/office/powerpoint/2012/main"/>
+    </p:ext>
+  </p:extLst>
 </p:presentation>
 </file>
 
@@ -3783,6 +3789,300 @@
 
 <file path=ppt/slides/slide10.xml><?xml version="1.0" encoding="utf-8"?>
 <p:sld xmlns:a="http://schemas.openxmlformats.org/drawingml/2006/main" xmlns:r="http://schemas.openxmlformats.org/officeDocument/2006/relationships" xmlns:p="http://schemas.openxmlformats.org/presentationml/2006/main">
+  <p:cSld name="Slide53">
+    <p:bg>
+      <p:bgPr>
+        <a:solidFill>
+          <a:srgbClr val="FFFFFF"/>
+        </a:solidFill>
+        <a:effectLst/>
+      </p:bgPr>
+    </p:bg>
+    <p:spTree>
+      <p:nvGrpSpPr>
+        <p:cNvPr id="1" name=""/>
+        <p:cNvGrpSpPr/>
+        <p:nvPr/>
+      </p:nvGrpSpPr>
+      <p:grpSpPr>
+        <a:xfrm>
+          <a:off x="0" y="0"/>
+          <a:ext cx="0" cy="0"/>
+          <a:chOff x="0" y="0"/>
+          <a:chExt cx="0" cy="0"/>
+        </a:xfrm>
+      </p:grpSpPr>
+      <p:sp>
+        <p:nvSpPr>
+          <p:cNvPr id="2" name="Rectangle 7">
+            <a:extLst>
+              <a:ext uri="{FF2B5EF4-FFF2-40B4-BE49-F238E27FC236}">
+                <a16:creationId xmlns:a16="http://schemas.microsoft.com/office/drawing/2014/main" id="{FB3DEF07-690A-538A-BE26-0B167F5CDCC2}"/>
+              </a:ext>
+            </a:extLst>
+          </p:cNvPr>
+          <p:cNvSpPr>
+            <a:spLocks noMove="1" noResize="1"/>
+          </p:cNvSpPr>
+          <p:nvPr/>
+        </p:nvSpPr>
+        <p:spPr>
+          <a:xfrm>
+            <a:off x="1508" y="0"/>
+            <a:ext cx="12191996" cy="6858000"/>
+          </a:xfrm>
+          <a:prstGeom prst="rect">
+            <a:avLst/>
+          </a:prstGeom>
+          <a:solidFill>
+            <a:srgbClr val="FFFFFF"/>
+          </a:solidFill>
+          <a:ln cap="flat">
+            <a:noFill/>
+            <a:prstDash val="solid"/>
+          </a:ln>
+        </p:spPr>
+        <p:txBody>
+          <a:bodyPr vert="horz" wrap="square" lIns="91440" tIns="45720" rIns="91440" bIns="45720" anchor="ctr" anchorCtr="1" compatLnSpc="1">
+            <a:noAutofit/>
+          </a:bodyPr>
+          <a:lstStyle/>
+          <a:p>
+            <a:pPr marL="0" marR="0" lvl="0" indent="0" algn="ctr" defTabSz="914400" rtl="0" fontAlgn="auto" hangingPunct="1">
+              <a:lnSpc>
+                <a:spcPct val="100000"/>
+              </a:lnSpc>
+              <a:spcBef>
+                <a:spcPts val="0"/>
+              </a:spcBef>
+              <a:spcAft>
+                <a:spcPts val="0"/>
+              </a:spcAft>
+              <a:buNone/>
+              <a:tabLst/>
+              <a:defRPr sz="1800" b="0" i="0" u="none" strike="noStrike" kern="0" cap="none" spc="0" baseline="0">
+                <a:solidFill>
+                  <a:srgbClr val="000000"/>
+                </a:solidFill>
+                <a:uFillTx/>
+              </a:defRPr>
+            </a:pPr>
+            <a:endParaRPr lang="en-US" sz="1800" b="0" i="0" u="none" strike="noStrike" kern="1200" cap="none" spc="0" baseline="0">
+              <a:solidFill>
+                <a:srgbClr val="FFFFFF"/>
+              </a:solidFill>
+              <a:uFillTx/>
+              <a:latin typeface="Franklin Gothic Book"/>
+            </a:endParaRPr>
+          </a:p>
+        </p:txBody>
+      </p:sp>
+      <p:sp>
+        <p:nvSpPr>
+          <p:cNvPr id="3" name="Rectangle 9">
+            <a:extLst>
+              <a:ext uri="{FF2B5EF4-FFF2-40B4-BE49-F238E27FC236}">
+                <a16:creationId xmlns:a16="http://schemas.microsoft.com/office/drawing/2014/main" id="{96FEF931-59C4-85BB-0F5C-649153C8A37F}"/>
+              </a:ext>
+            </a:extLst>
+          </p:cNvPr>
+          <p:cNvSpPr>
+            <a:spLocks noMove="1" noResize="1"/>
+          </p:cNvSpPr>
+          <p:nvPr/>
+        </p:nvSpPr>
+        <p:spPr>
+          <a:xfrm>
+            <a:off x="1508" y="0"/>
+            <a:ext cx="12188952" cy="1904996"/>
+          </a:xfrm>
+          <a:prstGeom prst="rect">
+            <a:avLst/>
+          </a:prstGeom>
+          <a:solidFill>
+            <a:srgbClr val="EC7016"/>
+          </a:solidFill>
+          <a:ln cap="flat">
+            <a:noFill/>
+            <a:prstDash val="solid"/>
+          </a:ln>
+        </p:spPr>
+        <p:txBody>
+          <a:bodyPr lIns="0" tIns="0" rIns="0" bIns="0">
+            <a:noAutofit/>
+          </a:bodyPr>
+          <a:lstStyle/>
+          <a:p>
+            <a:endParaRPr lang="en-NL"/>
+          </a:p>
+        </p:txBody>
+      </p:sp>
+      <p:sp>
+        <p:nvSpPr>
+          <p:cNvPr id="4" name="Title 1">
+            <a:extLst>
+              <a:ext uri="{FF2B5EF4-FFF2-40B4-BE49-F238E27FC236}">
+                <a16:creationId xmlns:a16="http://schemas.microsoft.com/office/drawing/2014/main" id="{1C703970-9560-BEA8-4769-138621232EB4}"/>
+              </a:ext>
+            </a:extLst>
+          </p:cNvPr>
+          <p:cNvSpPr txBox="1">
+            <a:spLocks noGrp="1"/>
+          </p:cNvSpPr>
+          <p:nvPr>
+            <p:ph type="title"/>
+          </p:nvPr>
+        </p:nvSpPr>
+        <p:spPr/>
+        <p:txBody>
+          <a:bodyPr anchor="ctr"/>
+          <a:lstStyle/>
+          <a:p>
+            <a:pPr lvl="0"/>
+            <a:r>
+              <a:rPr lang="en-US">
+                <a:solidFill>
+                  <a:srgbClr val="FFFFFF"/>
+                </a:solidFill>
+              </a:rPr>
+              <a:t>Goals for sprint 4</a:t>
+            </a:r>
+            <a:endParaRPr lang="en-NL">
+              <a:solidFill>
+                <a:srgbClr val="FFFFFF"/>
+              </a:solidFill>
+            </a:endParaRPr>
+          </a:p>
+        </p:txBody>
+      </p:sp>
+      <p:sp>
+        <p:nvSpPr>
+          <p:cNvPr id="5" name="Content Placeholder 2">
+            <a:extLst>
+              <a:ext uri="{FF2B5EF4-FFF2-40B4-BE49-F238E27FC236}">
+                <a16:creationId xmlns:a16="http://schemas.microsoft.com/office/drawing/2014/main" id="{7E6CD67B-2E6B-4752-B74A-2943216A9E22}"/>
+              </a:ext>
+            </a:extLst>
+          </p:cNvPr>
+          <p:cNvSpPr txBox="1">
+            <a:spLocks noGrp="1"/>
+          </p:cNvSpPr>
+          <p:nvPr>
+            <p:ph idx="1"/>
+          </p:nvPr>
+        </p:nvSpPr>
+        <p:spPr>
+          <a:xfrm>
+            <a:off x="1096959" y="2675689"/>
+            <a:ext cx="10058400" cy="3193295"/>
+          </a:xfrm>
+        </p:spPr>
+        <p:txBody>
+          <a:bodyPr/>
+          <a:lstStyle/>
+          <a:p>
+            <a:pPr>
+              <a:buFont typeface="Wingdings" panose="05000000000000000000" pitchFamily="2" charset="2"/>
+              <a:buChar char="Ø"/>
+            </a:pPr>
+            <a:r>
+              <a:rPr lang="en-US" dirty="0"/>
+              <a:t> Optimizing the algorithm</a:t>
+            </a:r>
+          </a:p>
+          <a:p>
+            <a:pPr>
+              <a:buFont typeface="Wingdings" panose="05000000000000000000" pitchFamily="2" charset="2"/>
+              <a:buChar char="Ø"/>
+            </a:pPr>
+            <a:r>
+              <a:rPr lang="en-US" dirty="0"/>
+              <a:t> Creation of an application for results and use of new datasets</a:t>
+            </a:r>
+          </a:p>
+          <a:p>
+            <a:pPr lvl="1">
+              <a:buFont typeface="Wingdings" panose="05000000000000000000" pitchFamily="2" charset="2"/>
+              <a:buChar char="Ø"/>
+            </a:pPr>
+            <a:r>
+              <a:rPr lang="en-US" dirty="0"/>
+              <a:t> Should give movement of clusters for degradation</a:t>
+            </a:r>
+          </a:p>
+          <a:p>
+            <a:pPr lvl="1">
+              <a:buFont typeface="Wingdings" panose="05000000000000000000" pitchFamily="2" charset="2"/>
+              <a:buChar char="Ø"/>
+            </a:pPr>
+            <a:r>
+              <a:rPr lang="en-US" dirty="0"/>
+              <a:t> Give statistics about the quality of the results</a:t>
+            </a:r>
+          </a:p>
+          <a:p>
+            <a:pPr lvl="1">
+              <a:buFont typeface="Wingdings" panose="05000000000000000000" pitchFamily="2" charset="2"/>
+              <a:buChar char="Ø"/>
+            </a:pPr>
+            <a:r>
+              <a:rPr lang="en-US" dirty="0"/>
+              <a:t> Useable for the lab</a:t>
+            </a:r>
+            <a:endParaRPr lang="en-NL" dirty="0"/>
+          </a:p>
+        </p:txBody>
+      </p:sp>
+      <p:sp>
+        <p:nvSpPr>
+          <p:cNvPr id="6" name="Rectangle 11">
+            <a:extLst>
+              <a:ext uri="{FF2B5EF4-FFF2-40B4-BE49-F238E27FC236}">
+                <a16:creationId xmlns:a16="http://schemas.microsoft.com/office/drawing/2014/main" id="{73E48AFA-DDFE-5BAF-16DD-C041BDD7FC31}"/>
+              </a:ext>
+            </a:extLst>
+          </p:cNvPr>
+          <p:cNvSpPr>
+            <a:spLocks noMove="1" noResize="1"/>
+          </p:cNvSpPr>
+          <p:nvPr/>
+        </p:nvSpPr>
+        <p:spPr>
+          <a:xfrm>
+            <a:off x="0" y="6400800"/>
+            <a:ext cx="12191996" cy="457200"/>
+          </a:xfrm>
+          <a:prstGeom prst="rect">
+            <a:avLst/>
+          </a:prstGeom>
+          <a:solidFill>
+            <a:srgbClr val="262626"/>
+          </a:solidFill>
+          <a:ln cap="flat">
+            <a:noFill/>
+            <a:prstDash val="solid"/>
+          </a:ln>
+        </p:spPr>
+        <p:txBody>
+          <a:bodyPr lIns="0" tIns="0" rIns="0" bIns="0">
+            <a:noAutofit/>
+          </a:bodyPr>
+          <a:lstStyle/>
+          <a:p>
+            <a:endParaRPr lang="en-NL"/>
+          </a:p>
+        </p:txBody>
+      </p:sp>
+    </p:spTree>
+  </p:cSld>
+  <p:clrMapOvr>
+    <a:masterClrMapping/>
+  </p:clrMapOvr>
+</p:sld>
+</file>
+
+<file path=ppt/slides/slide11.xml><?xml version="1.0" encoding="utf-8"?>
+<p:sld xmlns:a="http://schemas.openxmlformats.org/drawingml/2006/main" xmlns:r="http://schemas.openxmlformats.org/officeDocument/2006/relationships" xmlns:p="http://schemas.openxmlformats.org/presentationml/2006/main">
   <p:cSld name="Slide54">
     <p:bg>
       <p:bgPr>
@@ -4687,41 +4987,6 @@
       </p:sp>
       <p:sp>
         <p:nvSpPr>
-          <p:cNvPr id="5" name="Content Placeholder 2">
-            <a:extLst>
-              <a:ext uri="{FF2B5EF4-FFF2-40B4-BE49-F238E27FC236}">
-                <a16:creationId xmlns:a16="http://schemas.microsoft.com/office/drawing/2014/main" id="{2125824F-ED9D-07A5-DA58-0C0FC1A1D50D}"/>
-              </a:ext>
-            </a:extLst>
-          </p:cNvPr>
-          <p:cNvSpPr txBox="1">
-            <a:spLocks noGrp="1"/>
-          </p:cNvSpPr>
-          <p:nvPr>
-            <p:ph idx="1"/>
-          </p:nvPr>
-        </p:nvSpPr>
-        <p:spPr>
-          <a:xfrm>
-            <a:off x="1096959" y="2675689"/>
-            <a:ext cx="10058400" cy="3193295"/>
-          </a:xfrm>
-        </p:spPr>
-        <p:txBody>
-          <a:bodyPr/>
-          <a:lstStyle/>
-          <a:p>
-            <a:pPr lvl="0"/>
-            <a:r>
-              <a:rPr lang="en-US"/>
-              <a:t>*ROB</a:t>
-            </a:r>
-            <a:endParaRPr lang="en-NL"/>
-          </a:p>
-        </p:txBody>
-      </p:sp>
-      <p:sp>
-        <p:nvSpPr>
           <p:cNvPr id="6" name="Rectangle 11">
             <a:extLst>
               <a:ext uri="{FF2B5EF4-FFF2-40B4-BE49-F238E27FC236}">
@@ -4760,6 +5025,47 @@
           </a:p>
         </p:txBody>
       </p:sp>
+      <p:sp>
+        <p:nvSpPr>
+          <p:cNvPr id="12" name="Content Placeholder 11">
+            <a:extLst>
+              <a:ext uri="{FF2B5EF4-FFF2-40B4-BE49-F238E27FC236}">
+                <a16:creationId xmlns:a16="http://schemas.microsoft.com/office/drawing/2014/main" id="{53E2023F-B23E-4EB0-B45A-A2E3E1D6CCB6}"/>
+              </a:ext>
+            </a:extLst>
+          </p:cNvPr>
+          <p:cNvSpPr>
+            <a:spLocks noGrp="1"/>
+          </p:cNvSpPr>
+          <p:nvPr>
+            <p:ph idx="1"/>
+          </p:nvPr>
+        </p:nvSpPr>
+        <p:spPr/>
+        <p:txBody>
+          <a:bodyPr/>
+          <a:lstStyle/>
+          <a:p>
+            <a:r>
+              <a:rPr lang="en-GB" dirty="0"/>
+              <a:t>Unsupervised clustering</a:t>
+            </a:r>
+          </a:p>
+          <a:p>
+            <a:r>
+              <a:rPr lang="en-GB" dirty="0"/>
+              <a:t>Gaussian distributions </a:t>
+            </a:r>
+          </a:p>
+          <a:p>
+            <a:r>
+              <a:rPr lang="en-GB" dirty="0"/>
+              <a:t>EM</a:t>
+            </a:r>
+            <a:endParaRPr lang="en-NL" dirty="0"/>
+          </a:p>
+        </p:txBody>
+      </p:sp>
     </p:spTree>
   </p:cSld>
   <p:clrMapOvr>
@@ -4769,6 +5075,376 @@
 </file>
 
 <file path=ppt/slides/slide5.xml><?xml version="1.0" encoding="utf-8"?>
+<p:sld xmlns:a="http://schemas.openxmlformats.org/drawingml/2006/main" xmlns:r="http://schemas.openxmlformats.org/officeDocument/2006/relationships" xmlns:p="http://schemas.openxmlformats.org/presentationml/2006/main">
+  <p:cSld>
+    <p:bg>
+      <p:bgPr>
+        <a:solidFill>
+          <a:schemeClr val="bg1"/>
+        </a:solidFill>
+        <a:effectLst/>
+      </p:bgPr>
+    </p:bg>
+    <p:spTree>
+      <p:nvGrpSpPr>
+        <p:cNvPr id="1" name=""/>
+        <p:cNvGrpSpPr/>
+        <p:nvPr/>
+      </p:nvGrpSpPr>
+      <p:grpSpPr>
+        <a:xfrm>
+          <a:off x="0" y="0"/>
+          <a:ext cx="0" cy="0"/>
+          <a:chOff x="0" y="0"/>
+          <a:chExt cx="0" cy="0"/>
+        </a:xfrm>
+      </p:grpSpPr>
+      <p:sp>
+        <p:nvSpPr>
+          <p:cNvPr id="2" name="Title 1">
+            <a:extLst>
+              <a:ext uri="{FF2B5EF4-FFF2-40B4-BE49-F238E27FC236}">
+                <a16:creationId xmlns:a16="http://schemas.microsoft.com/office/drawing/2014/main" id="{B9E1303B-AB81-43AB-AA0C-E6CB70A18230}"/>
+              </a:ext>
+            </a:extLst>
+          </p:cNvPr>
+          <p:cNvSpPr>
+            <a:spLocks noGrp="1"/>
+          </p:cNvSpPr>
+          <p:nvPr>
+            <p:ph type="title"/>
+          </p:nvPr>
+        </p:nvSpPr>
+        <p:spPr>
+          <a:xfrm>
+            <a:off x="990600" y="338328"/>
+            <a:ext cx="10210800" cy="1078992"/>
+          </a:xfrm>
+        </p:spPr>
+        <p:txBody>
+          <a:bodyPr vert="horz" lIns="91440" tIns="45720" rIns="91440" bIns="45720" rtlCol="0" anchor="b">
+            <a:normAutofit/>
+          </a:bodyPr>
+          <a:lstStyle/>
+          <a:p>
+            <a:pPr algn="ctr">
+              <a:spcBef>
+                <a:spcPct val="0"/>
+              </a:spcBef>
+            </a:pPr>
+            <a:r>
+              <a:rPr lang="en-US" sz="5400">
+                <a:solidFill>
+                  <a:schemeClr val="tx1"/>
+                </a:solidFill>
+                <a:latin typeface="+mj-lt"/>
+                <a:ea typeface="+mj-ea"/>
+                <a:cs typeface="+mj-cs"/>
+              </a:rPr>
+              <a:t>Gaussian mixture model results</a:t>
+            </a:r>
+          </a:p>
+        </p:txBody>
+      </p:sp>
+      <p:sp>
+        <p:nvSpPr>
+          <p:cNvPr id="19" name="Rectangle 18">
+            <a:extLst>
+              <a:ext uri="{FF2B5EF4-FFF2-40B4-BE49-F238E27FC236}">
+                <a16:creationId xmlns:a16="http://schemas.microsoft.com/office/drawing/2014/main" id="{70BDD0CE-06A4-404B-8A13-580229C1C923}"/>
+              </a:ext>
+              <a:ext uri="{C183D7F6-B498-43B3-948B-1728B52AA6E4}">
+                <adec:decorative xmlns:adec="http://schemas.microsoft.com/office/drawing/2017/decorative" val="1"/>
+              </a:ext>
+            </a:extLst>
+          </p:cNvPr>
+          <p:cNvSpPr>
+            <a:spLocks noGrp="1" noRot="1" noChangeAspect="1" noMove="1" noResize="1" noEditPoints="1" noAdjustHandles="1" noChangeArrowheads="1" noChangeShapeType="1" noTextEdit="1"/>
+          </p:cNvSpPr>
+          <p:nvPr>
+            <p:extLst>
+              <p:ext uri="{386F3935-93C4-4BCD-93E2-E3B085C9AB24}">
+                <p16:designElem xmlns:p16="http://schemas.microsoft.com/office/powerpoint/2015/main" val="1"/>
+              </p:ext>
+            </p:extLst>
+          </p:nvPr>
+        </p:nvSpPr>
+        <p:spPr>
+          <a:xfrm>
+            <a:off x="0" y="2141750"/>
+            <a:ext cx="12192000" cy="4716250"/>
+          </a:xfrm>
+          <a:prstGeom prst="rect">
+            <a:avLst/>
+          </a:prstGeom>
+          <a:solidFill>
+            <a:srgbClr val="374186"/>
+          </a:solidFill>
+          <a:ln>
+            <a:noFill/>
+          </a:ln>
+        </p:spPr>
+        <p:style>
+          <a:lnRef idx="2">
+            <a:schemeClr val="accent1">
+              <a:shade val="50000"/>
+            </a:schemeClr>
+          </a:lnRef>
+          <a:fillRef idx="1">
+            <a:schemeClr val="accent1"/>
+          </a:fillRef>
+          <a:effectRef idx="0">
+            <a:schemeClr val="accent1"/>
+          </a:effectRef>
+          <a:fontRef idx="minor">
+            <a:schemeClr val="lt1"/>
+          </a:fontRef>
+        </p:style>
+        <p:txBody>
+          <a:bodyPr rtlCol="0" anchor="ctr"/>
+          <a:lstStyle/>
+          <a:p>
+            <a:pPr algn="ctr"/>
+            <a:endParaRPr lang="en-US"/>
+          </a:p>
+        </p:txBody>
+      </p:sp>
+      <p:sp>
+        <p:nvSpPr>
+          <p:cNvPr id="21" name="Rounded Rectangle 26">
+            <a:extLst>
+              <a:ext uri="{FF2B5EF4-FFF2-40B4-BE49-F238E27FC236}">
+                <a16:creationId xmlns:a16="http://schemas.microsoft.com/office/drawing/2014/main" id="{EE9899FA-8881-472C-AA59-D08A89CA8AEF}"/>
+              </a:ext>
+              <a:ext uri="{C183D7F6-B498-43B3-948B-1728B52AA6E4}">
+                <adec:decorative xmlns:adec="http://schemas.microsoft.com/office/drawing/2017/decorative" val="1"/>
+              </a:ext>
+            </a:extLst>
+          </p:cNvPr>
+          <p:cNvSpPr>
+            <a:spLocks noGrp="1" noRot="1" noChangeAspect="1" noMove="1" noResize="1" noEditPoints="1" noAdjustHandles="1" noChangeArrowheads="1" noChangeShapeType="1" noTextEdit="1"/>
+          </p:cNvSpPr>
+          <p:nvPr>
+            <p:extLst>
+              <p:ext uri="{386F3935-93C4-4BCD-93E2-E3B085C9AB24}">
+                <p16:designElem xmlns:p16="http://schemas.microsoft.com/office/powerpoint/2015/main" val="1"/>
+              </p:ext>
+            </p:extLst>
+          </p:nvPr>
+        </p:nvSpPr>
+        <p:spPr>
+          <a:xfrm>
+            <a:off x="321564" y="2423160"/>
+            <a:ext cx="5613569" cy="3930315"/>
+          </a:xfrm>
+          <a:prstGeom prst="roundRect">
+            <a:avLst>
+              <a:gd name="adj" fmla="val 0"/>
+            </a:avLst>
+          </a:prstGeom>
+          <a:solidFill>
+            <a:srgbClr val="FFFFFF"/>
+          </a:solidFill>
+          <a:ln w="9525">
+            <a:solidFill>
+              <a:srgbClr val="C8CACA"/>
+            </a:solidFill>
+          </a:ln>
+          <a:effectLst>
+            <a:outerShdw blurRad="57150" dist="19050" dir="5400000" algn="t" rotWithShape="0">
+              <a:prstClr val="black">
+                <a:alpha val="63000"/>
+              </a:prstClr>
+            </a:outerShdw>
+          </a:effectLst>
+        </p:spPr>
+        <p:style>
+          <a:lnRef idx="2">
+            <a:schemeClr val="accent1">
+              <a:shade val="50000"/>
+            </a:schemeClr>
+          </a:lnRef>
+          <a:fillRef idx="1">
+            <a:schemeClr val="accent1"/>
+          </a:fillRef>
+          <a:effectRef idx="0">
+            <a:schemeClr val="accent1"/>
+          </a:effectRef>
+          <a:fontRef idx="minor">
+            <a:schemeClr val="lt1"/>
+          </a:fontRef>
+        </p:style>
+        <p:txBody>
+          <a:bodyPr rtlCol="0" anchor="ctr"/>
+          <a:lstStyle/>
+          <a:p>
+            <a:pPr algn="ctr"/>
+            <a:endParaRPr lang="en-US"/>
+          </a:p>
+        </p:txBody>
+      </p:sp>
+      <p:pic>
+        <p:nvPicPr>
+          <p:cNvPr id="5" name="Picture 4" descr="Chart, scatter chart&#10;&#10;Description automatically generated">
+            <a:extLst>
+              <a:ext uri="{FF2B5EF4-FFF2-40B4-BE49-F238E27FC236}">
+                <a16:creationId xmlns:a16="http://schemas.microsoft.com/office/drawing/2014/main" id="{D877B9BF-08A7-4921-87E3-847E4A895B2A}"/>
+              </a:ext>
+            </a:extLst>
+          </p:cNvPr>
+          <p:cNvPicPr>
+            <a:picLocks noChangeAspect="1"/>
+          </p:cNvPicPr>
+          <p:nvPr/>
+        </p:nvPicPr>
+        <p:blipFill>
+          <a:blip r:embed="rId2">
+            <a:extLst>
+              <a:ext uri="{28A0092B-C50C-407E-A947-70E740481C1C}">
+                <a14:useLocalDpi xmlns:a14="http://schemas.microsoft.com/office/drawing/2010/main" val="0"/>
+              </a:ext>
+            </a:extLst>
+          </a:blip>
+          <a:stretch>
+            <a:fillRect/>
+          </a:stretch>
+        </p:blipFill>
+        <p:spPr>
+          <a:xfrm>
+            <a:off x="931756" y="2742397"/>
+            <a:ext cx="4389120" cy="3291840"/>
+          </a:xfrm>
+          <a:prstGeom prst="rect">
+            <a:avLst/>
+          </a:prstGeom>
+        </p:spPr>
+      </p:pic>
+      <p:sp>
+        <p:nvSpPr>
+          <p:cNvPr id="23" name="Rounded Rectangle 16">
+            <a:extLst>
+              <a:ext uri="{FF2B5EF4-FFF2-40B4-BE49-F238E27FC236}">
+                <a16:creationId xmlns:a16="http://schemas.microsoft.com/office/drawing/2014/main" id="{080B7D90-3DF1-4514-B26D-616BE35553C9}"/>
+              </a:ext>
+              <a:ext uri="{C183D7F6-B498-43B3-948B-1728B52AA6E4}">
+                <adec:decorative xmlns:adec="http://schemas.microsoft.com/office/drawing/2017/decorative" val="1"/>
+              </a:ext>
+            </a:extLst>
+          </p:cNvPr>
+          <p:cNvSpPr>
+            <a:spLocks noGrp="1" noRot="1" noChangeAspect="1" noMove="1" noResize="1" noEditPoints="1" noAdjustHandles="1" noChangeArrowheads="1" noChangeShapeType="1" noTextEdit="1"/>
+          </p:cNvSpPr>
+          <p:nvPr>
+            <p:extLst>
+              <p:ext uri="{386F3935-93C4-4BCD-93E2-E3B085C9AB24}">
+                <p16:designElem xmlns:p16="http://schemas.microsoft.com/office/powerpoint/2015/main" val="1"/>
+              </p:ext>
+            </p:extLst>
+          </p:nvPr>
+        </p:nvSpPr>
+        <p:spPr>
+          <a:xfrm>
+            <a:off x="6254749" y="2423160"/>
+            <a:ext cx="5613569" cy="3930315"/>
+          </a:xfrm>
+          <a:prstGeom prst="roundRect">
+            <a:avLst>
+              <a:gd name="adj" fmla="val 0"/>
+            </a:avLst>
+          </a:prstGeom>
+          <a:solidFill>
+            <a:srgbClr val="FFFFFF"/>
+          </a:solidFill>
+          <a:ln w="9525">
+            <a:solidFill>
+              <a:srgbClr val="C8CACA"/>
+            </a:solidFill>
+          </a:ln>
+          <a:effectLst>
+            <a:outerShdw blurRad="57150" dist="19050" dir="5400000" algn="t" rotWithShape="0">
+              <a:prstClr val="black">
+                <a:alpha val="63000"/>
+              </a:prstClr>
+            </a:outerShdw>
+          </a:effectLst>
+        </p:spPr>
+        <p:style>
+          <a:lnRef idx="2">
+            <a:schemeClr val="accent1">
+              <a:shade val="50000"/>
+            </a:schemeClr>
+          </a:lnRef>
+          <a:fillRef idx="1">
+            <a:schemeClr val="accent1"/>
+          </a:fillRef>
+          <a:effectRef idx="0">
+            <a:schemeClr val="accent1"/>
+          </a:effectRef>
+          <a:fontRef idx="minor">
+            <a:schemeClr val="lt1"/>
+          </a:fontRef>
+        </p:style>
+        <p:txBody>
+          <a:bodyPr rtlCol="0" anchor="ctr"/>
+          <a:lstStyle/>
+          <a:p>
+            <a:pPr algn="ctr"/>
+            <a:endParaRPr lang="en-US"/>
+          </a:p>
+        </p:txBody>
+      </p:sp>
+      <p:pic>
+        <p:nvPicPr>
+          <p:cNvPr id="4" name="Content Placeholder 7" descr="Chart, scatter chart&#10;&#10;Description automatically generated">
+            <a:extLst>
+              <a:ext uri="{FF2B5EF4-FFF2-40B4-BE49-F238E27FC236}">
+                <a16:creationId xmlns:a16="http://schemas.microsoft.com/office/drawing/2014/main" id="{E3585710-C95E-41E7-8008-0444DCA2993B}"/>
+              </a:ext>
+            </a:extLst>
+          </p:cNvPr>
+          <p:cNvPicPr>
+            <a:picLocks noGrp="1" noChangeAspect="1"/>
+          </p:cNvPicPr>
+          <p:nvPr>
+            <p:ph idx="1"/>
+          </p:nvPr>
+        </p:nvPicPr>
+        <p:blipFill>
+          <a:blip r:embed="rId3">
+            <a:extLst>
+              <a:ext uri="{28A0092B-C50C-407E-A947-70E740481C1C}">
+                <a14:useLocalDpi xmlns:a14="http://schemas.microsoft.com/office/drawing/2010/main" val="0"/>
+              </a:ext>
+            </a:extLst>
+          </a:blip>
+          <a:stretch>
+            <a:fillRect/>
+          </a:stretch>
+        </p:blipFill>
+        <p:spPr>
+          <a:xfrm>
+            <a:off x="6871124" y="2744731"/>
+            <a:ext cx="4389120" cy="3291840"/>
+          </a:xfrm>
+          <a:prstGeom prst="rect">
+            <a:avLst/>
+          </a:prstGeom>
+        </p:spPr>
+      </p:pic>
+    </p:spTree>
+    <p:extLst>
+      <p:ext uri="{BB962C8B-B14F-4D97-AF65-F5344CB8AC3E}">
+        <p14:creationId xmlns:p14="http://schemas.microsoft.com/office/powerpoint/2010/main" val="2585981112"/>
+      </p:ext>
+    </p:extLst>
+  </p:cSld>
+  <p:clrMapOvr>
+    <a:masterClrMapping/>
+  </p:clrMapOvr>
+</p:sld>
+</file>
+
+<file path=ppt/slides/slide6.xml><?xml version="1.0" encoding="utf-8"?>
 <p:sld xmlns:a="http://schemas.openxmlformats.org/drawingml/2006/main" xmlns:r="http://schemas.openxmlformats.org/officeDocument/2006/relationships" xmlns:p="http://schemas.openxmlformats.org/presentationml/2006/main">
   <p:cSld name="Slide49">
     <p:bg>
@@ -5054,7 +5730,7 @@
 </p:sld>
 </file>
 
-<file path=ppt/slides/slide6.xml><?xml version="1.0" encoding="utf-8"?>
+<file path=ppt/slides/slide7.xml><?xml version="1.0" encoding="utf-8"?>
 <p:sld xmlns:a="http://schemas.openxmlformats.org/drawingml/2006/main" xmlns:r="http://schemas.openxmlformats.org/officeDocument/2006/relationships" xmlns:p="http://schemas.openxmlformats.org/presentationml/2006/main">
   <p:cSld name="Slide50">
     <p:bg>
@@ -5305,7 +5981,7 @@
 </p:sld>
 </file>
 
-<file path=ppt/slides/slide7.xml><?xml version="1.0" encoding="utf-8"?>
+<file path=ppt/slides/slide8.xml><?xml version="1.0" encoding="utf-8"?>
 <p:sld xmlns:a="http://schemas.openxmlformats.org/drawingml/2006/main" xmlns:r="http://schemas.openxmlformats.org/officeDocument/2006/relationships" xmlns:p="http://schemas.openxmlformats.org/presentationml/2006/main">
   <p:cSld name="Slide51">
     <p:bg>
@@ -5583,7 +6259,7 @@
 </p:sld>
 </file>
 
-<file path=ppt/slides/slide8.xml><?xml version="1.0" encoding="utf-8"?>
+<file path=ppt/slides/slide9.xml><?xml version="1.0" encoding="utf-8"?>
 <p:sld xmlns:a="http://schemas.openxmlformats.org/drawingml/2006/main" xmlns:r="http://schemas.openxmlformats.org/officeDocument/2006/relationships" xmlns:p="http://schemas.openxmlformats.org/presentationml/2006/main">
   <p:cSld name="Slide52">
     <p:bg>
@@ -5850,300 +6526,6 @@
             <a:extLst>
               <a:ext uri="{FF2B5EF4-FFF2-40B4-BE49-F238E27FC236}">
                 <a16:creationId xmlns:a16="http://schemas.microsoft.com/office/drawing/2014/main" id="{1A41710C-5A61-1D4A-45F1-9893C13F952B}"/>
-              </a:ext>
-            </a:extLst>
-          </p:cNvPr>
-          <p:cNvSpPr>
-            <a:spLocks noMove="1" noResize="1"/>
-          </p:cNvSpPr>
-          <p:nvPr/>
-        </p:nvSpPr>
-        <p:spPr>
-          <a:xfrm>
-            <a:off x="0" y="6400800"/>
-            <a:ext cx="12191996" cy="457200"/>
-          </a:xfrm>
-          <a:prstGeom prst="rect">
-            <a:avLst/>
-          </a:prstGeom>
-          <a:solidFill>
-            <a:srgbClr val="262626"/>
-          </a:solidFill>
-          <a:ln cap="flat">
-            <a:noFill/>
-            <a:prstDash val="solid"/>
-          </a:ln>
-        </p:spPr>
-        <p:txBody>
-          <a:bodyPr lIns="0" tIns="0" rIns="0" bIns="0">
-            <a:noAutofit/>
-          </a:bodyPr>
-          <a:lstStyle/>
-          <a:p>
-            <a:endParaRPr lang="en-NL"/>
-          </a:p>
-        </p:txBody>
-      </p:sp>
-    </p:spTree>
-  </p:cSld>
-  <p:clrMapOvr>
-    <a:masterClrMapping/>
-  </p:clrMapOvr>
-</p:sld>
-</file>
-
-<file path=ppt/slides/slide9.xml><?xml version="1.0" encoding="utf-8"?>
-<p:sld xmlns:a="http://schemas.openxmlformats.org/drawingml/2006/main" xmlns:r="http://schemas.openxmlformats.org/officeDocument/2006/relationships" xmlns:p="http://schemas.openxmlformats.org/presentationml/2006/main">
-  <p:cSld name="Slide53">
-    <p:bg>
-      <p:bgPr>
-        <a:solidFill>
-          <a:srgbClr val="FFFFFF"/>
-        </a:solidFill>
-        <a:effectLst/>
-      </p:bgPr>
-    </p:bg>
-    <p:spTree>
-      <p:nvGrpSpPr>
-        <p:cNvPr id="1" name=""/>
-        <p:cNvGrpSpPr/>
-        <p:nvPr/>
-      </p:nvGrpSpPr>
-      <p:grpSpPr>
-        <a:xfrm>
-          <a:off x="0" y="0"/>
-          <a:ext cx="0" cy="0"/>
-          <a:chOff x="0" y="0"/>
-          <a:chExt cx="0" cy="0"/>
-        </a:xfrm>
-      </p:grpSpPr>
-      <p:sp>
-        <p:nvSpPr>
-          <p:cNvPr id="2" name="Rectangle 7">
-            <a:extLst>
-              <a:ext uri="{FF2B5EF4-FFF2-40B4-BE49-F238E27FC236}">
-                <a16:creationId xmlns:a16="http://schemas.microsoft.com/office/drawing/2014/main" id="{FB3DEF07-690A-538A-BE26-0B167F5CDCC2}"/>
-              </a:ext>
-            </a:extLst>
-          </p:cNvPr>
-          <p:cNvSpPr>
-            <a:spLocks noMove="1" noResize="1"/>
-          </p:cNvSpPr>
-          <p:nvPr/>
-        </p:nvSpPr>
-        <p:spPr>
-          <a:xfrm>
-            <a:off x="1508" y="0"/>
-            <a:ext cx="12191996" cy="6858000"/>
-          </a:xfrm>
-          <a:prstGeom prst="rect">
-            <a:avLst/>
-          </a:prstGeom>
-          <a:solidFill>
-            <a:srgbClr val="FFFFFF"/>
-          </a:solidFill>
-          <a:ln cap="flat">
-            <a:noFill/>
-            <a:prstDash val="solid"/>
-          </a:ln>
-        </p:spPr>
-        <p:txBody>
-          <a:bodyPr vert="horz" wrap="square" lIns="91440" tIns="45720" rIns="91440" bIns="45720" anchor="ctr" anchorCtr="1" compatLnSpc="1">
-            <a:noAutofit/>
-          </a:bodyPr>
-          <a:lstStyle/>
-          <a:p>
-            <a:pPr marL="0" marR="0" lvl="0" indent="0" algn="ctr" defTabSz="914400" rtl="0" fontAlgn="auto" hangingPunct="1">
-              <a:lnSpc>
-                <a:spcPct val="100000"/>
-              </a:lnSpc>
-              <a:spcBef>
-                <a:spcPts val="0"/>
-              </a:spcBef>
-              <a:spcAft>
-                <a:spcPts val="0"/>
-              </a:spcAft>
-              <a:buNone/>
-              <a:tabLst/>
-              <a:defRPr sz="1800" b="0" i="0" u="none" strike="noStrike" kern="0" cap="none" spc="0" baseline="0">
-                <a:solidFill>
-                  <a:srgbClr val="000000"/>
-                </a:solidFill>
-                <a:uFillTx/>
-              </a:defRPr>
-            </a:pPr>
-            <a:endParaRPr lang="en-US" sz="1800" b="0" i="0" u="none" strike="noStrike" kern="1200" cap="none" spc="0" baseline="0">
-              <a:solidFill>
-                <a:srgbClr val="FFFFFF"/>
-              </a:solidFill>
-              <a:uFillTx/>
-              <a:latin typeface="Franklin Gothic Book"/>
-            </a:endParaRPr>
-          </a:p>
-        </p:txBody>
-      </p:sp>
-      <p:sp>
-        <p:nvSpPr>
-          <p:cNvPr id="3" name="Rectangle 9">
-            <a:extLst>
-              <a:ext uri="{FF2B5EF4-FFF2-40B4-BE49-F238E27FC236}">
-                <a16:creationId xmlns:a16="http://schemas.microsoft.com/office/drawing/2014/main" id="{96FEF931-59C4-85BB-0F5C-649153C8A37F}"/>
-              </a:ext>
-            </a:extLst>
-          </p:cNvPr>
-          <p:cNvSpPr>
-            <a:spLocks noMove="1" noResize="1"/>
-          </p:cNvSpPr>
-          <p:nvPr/>
-        </p:nvSpPr>
-        <p:spPr>
-          <a:xfrm>
-            <a:off x="1508" y="0"/>
-            <a:ext cx="12188952" cy="1904996"/>
-          </a:xfrm>
-          <a:prstGeom prst="rect">
-            <a:avLst/>
-          </a:prstGeom>
-          <a:solidFill>
-            <a:srgbClr val="EC7016"/>
-          </a:solidFill>
-          <a:ln cap="flat">
-            <a:noFill/>
-            <a:prstDash val="solid"/>
-          </a:ln>
-        </p:spPr>
-        <p:txBody>
-          <a:bodyPr lIns="0" tIns="0" rIns="0" bIns="0">
-            <a:noAutofit/>
-          </a:bodyPr>
-          <a:lstStyle/>
-          <a:p>
-            <a:endParaRPr lang="en-NL"/>
-          </a:p>
-        </p:txBody>
-      </p:sp>
-      <p:sp>
-        <p:nvSpPr>
-          <p:cNvPr id="4" name="Title 1">
-            <a:extLst>
-              <a:ext uri="{FF2B5EF4-FFF2-40B4-BE49-F238E27FC236}">
-                <a16:creationId xmlns:a16="http://schemas.microsoft.com/office/drawing/2014/main" id="{1C703970-9560-BEA8-4769-138621232EB4}"/>
-              </a:ext>
-            </a:extLst>
-          </p:cNvPr>
-          <p:cNvSpPr txBox="1">
-            <a:spLocks noGrp="1"/>
-          </p:cNvSpPr>
-          <p:nvPr>
-            <p:ph type="title"/>
-          </p:nvPr>
-        </p:nvSpPr>
-        <p:spPr/>
-        <p:txBody>
-          <a:bodyPr anchor="ctr"/>
-          <a:lstStyle/>
-          <a:p>
-            <a:pPr lvl="0"/>
-            <a:r>
-              <a:rPr lang="en-US">
-                <a:solidFill>
-                  <a:srgbClr val="FFFFFF"/>
-                </a:solidFill>
-              </a:rPr>
-              <a:t>Goals for sprint 4</a:t>
-            </a:r>
-            <a:endParaRPr lang="en-NL">
-              <a:solidFill>
-                <a:srgbClr val="FFFFFF"/>
-              </a:solidFill>
-            </a:endParaRPr>
-          </a:p>
-        </p:txBody>
-      </p:sp>
-      <p:sp>
-        <p:nvSpPr>
-          <p:cNvPr id="5" name="Content Placeholder 2">
-            <a:extLst>
-              <a:ext uri="{FF2B5EF4-FFF2-40B4-BE49-F238E27FC236}">
-                <a16:creationId xmlns:a16="http://schemas.microsoft.com/office/drawing/2014/main" id="{7E6CD67B-2E6B-4752-B74A-2943216A9E22}"/>
-              </a:ext>
-            </a:extLst>
-          </p:cNvPr>
-          <p:cNvSpPr txBox="1">
-            <a:spLocks noGrp="1"/>
-          </p:cNvSpPr>
-          <p:nvPr>
-            <p:ph idx="1"/>
-          </p:nvPr>
-        </p:nvSpPr>
-        <p:spPr>
-          <a:xfrm>
-            <a:off x="1096959" y="2675689"/>
-            <a:ext cx="10058400" cy="3193295"/>
-          </a:xfrm>
-        </p:spPr>
-        <p:txBody>
-          <a:bodyPr/>
-          <a:lstStyle/>
-          <a:p>
-            <a:pPr>
-              <a:buFont typeface="Wingdings" panose="05000000000000000000" pitchFamily="2" charset="2"/>
-              <a:buChar char="Ø"/>
-            </a:pPr>
-            <a:r>
-              <a:rPr lang="en-US" dirty="0"/>
-              <a:t> Optimizing the algorithm</a:t>
-            </a:r>
-          </a:p>
-          <a:p>
-            <a:pPr>
-              <a:buFont typeface="Wingdings" panose="05000000000000000000" pitchFamily="2" charset="2"/>
-              <a:buChar char="Ø"/>
-            </a:pPr>
-            <a:r>
-              <a:rPr lang="en-US" dirty="0"/>
-              <a:t> Creation of an application for results and use of new datasets</a:t>
-            </a:r>
-          </a:p>
-          <a:p>
-            <a:pPr lvl="1">
-              <a:buFont typeface="Wingdings" panose="05000000000000000000" pitchFamily="2" charset="2"/>
-              <a:buChar char="Ø"/>
-            </a:pPr>
-            <a:r>
-              <a:rPr lang="en-US" dirty="0"/>
-              <a:t> Should give movement of clusters for degradation</a:t>
-            </a:r>
-          </a:p>
-          <a:p>
-            <a:pPr lvl="1">
-              <a:buFont typeface="Wingdings" panose="05000000000000000000" pitchFamily="2" charset="2"/>
-              <a:buChar char="Ø"/>
-            </a:pPr>
-            <a:r>
-              <a:rPr lang="en-US" dirty="0"/>
-              <a:t> Give statistics about the quality of the results</a:t>
-            </a:r>
-          </a:p>
-          <a:p>
-            <a:pPr lvl="1">
-              <a:buFont typeface="Wingdings" panose="05000000000000000000" pitchFamily="2" charset="2"/>
-              <a:buChar char="Ø"/>
-            </a:pPr>
-            <a:r>
-              <a:rPr lang="en-US" dirty="0"/>
-              <a:t> Useable for the lab</a:t>
-            </a:r>
-            <a:endParaRPr lang="en-NL" dirty="0"/>
-          </a:p>
-        </p:txBody>
-      </p:sp>
-      <p:sp>
-        <p:nvSpPr>
-          <p:cNvPr id="6" name="Rectangle 11">
-            <a:extLst>
-              <a:ext uri="{FF2B5EF4-FFF2-40B4-BE49-F238E27FC236}">
-                <a16:creationId xmlns:a16="http://schemas.microsoft.com/office/drawing/2014/main" id="{73E48AFA-DDFE-5BAF-16DD-C041BDD7FC31}"/>
               </a:ext>
             </a:extLst>
           </p:cNvPr>

--- a/EOS3.pptx
+++ b/EOS3.pptx
@@ -113,6 +113,11 @@
       </a:defRPr>
     </a:lvl9pPr>
   </p:defaultTextStyle>
+  <p:extLst>
+    <p:ext uri="{EFAFB233-063F-42B5-8137-9DF3F51BA10A}">
+      <p15:sldGuideLst xmlns:p15="http://schemas.microsoft.com/office/powerpoint/2012/main"/>
+    </p:ext>
+  </p:extLst>
 </p:presentation>
 </file>
 
@@ -4432,7 +4437,7 @@
               <a:buChar char="Ø"/>
             </a:pPr>
             <a:r>
-              <a:rPr lang="en-US" sz="2400"/>
+              <a:rPr lang="en-US" sz="2400" dirty="0"/>
               <a:t> Create a machine learning algorithm</a:t>
             </a:r>
           </a:p>
@@ -4442,7 +4447,7 @@
               <a:buChar char="Ø"/>
             </a:pPr>
             <a:r>
-              <a:rPr lang="en-US" sz="2400"/>
+              <a:rPr lang="en-US" sz="2400" dirty="0"/>
               <a:t> Cluster bacteria and plastics</a:t>
             </a:r>
           </a:p>
@@ -4452,7 +4457,7 @@
               <a:buChar char="Ø"/>
             </a:pPr>
             <a:r>
-              <a:rPr lang="en-US" sz="2400"/>
+              <a:rPr lang="en-US" sz="2400" dirty="0"/>
               <a:t> Outcome should be useable to show movement of cluster centers</a:t>
             </a:r>
           </a:p>
@@ -4462,10 +4467,10 @@
               <a:buChar char="Ø"/>
             </a:pPr>
             <a:r>
-              <a:rPr lang="en-US" sz="2400"/>
+              <a:rPr lang="en-US" sz="2400" dirty="0"/>
               <a:t> Should have statistics to show quality of outcome</a:t>
             </a:r>
-            <a:endParaRPr lang="en-NL" sz="2400"/>
+            <a:endParaRPr lang="en-NL" sz="2400" dirty="0"/>
           </a:p>
         </p:txBody>
       </p:sp>
@@ -5046,6 +5051,114 @@
           </a:p>
         </p:txBody>
       </p:sp>
+      <p:pic>
+        <p:nvPicPr>
+          <p:cNvPr id="8" name="Picture 7" descr="Chart, scatter chart&#10;&#10;Description automatically generated">
+            <a:extLst>
+              <a:ext uri="{FF2B5EF4-FFF2-40B4-BE49-F238E27FC236}">
+                <a16:creationId xmlns:a16="http://schemas.microsoft.com/office/drawing/2014/main" id="{A3475FF3-7BDC-690C-85B7-EAF5A400E787}"/>
+              </a:ext>
+            </a:extLst>
+          </p:cNvPr>
+          <p:cNvPicPr>
+            <a:picLocks noChangeAspect="1"/>
+          </p:cNvPicPr>
+          <p:nvPr/>
+        </p:nvPicPr>
+        <p:blipFill>
+          <a:blip r:embed="rId2">
+            <a:extLst>
+              <a:ext uri="{28A0092B-C50C-407E-A947-70E740481C1C}">
+                <a14:useLocalDpi xmlns:a14="http://schemas.microsoft.com/office/drawing/2010/main" val="0"/>
+              </a:ext>
+            </a:extLst>
+          </a:blip>
+          <a:stretch>
+            <a:fillRect/>
+          </a:stretch>
+        </p:blipFill>
+        <p:spPr>
+          <a:xfrm>
+            <a:off x="8288594" y="2021882"/>
+            <a:ext cx="2733368" cy="2050026"/>
+          </a:xfrm>
+          <a:prstGeom prst="rect">
+            <a:avLst/>
+          </a:prstGeom>
+        </p:spPr>
+      </p:pic>
+      <p:pic>
+        <p:nvPicPr>
+          <p:cNvPr id="10" name="Picture 9" descr="Chart, scatter chart&#10;&#10;Description automatically generated">
+            <a:extLst>
+              <a:ext uri="{FF2B5EF4-FFF2-40B4-BE49-F238E27FC236}">
+                <a16:creationId xmlns:a16="http://schemas.microsoft.com/office/drawing/2014/main" id="{54E58C1F-6CC4-AB1F-4267-5F6D64EED3E1}"/>
+              </a:ext>
+            </a:extLst>
+          </p:cNvPr>
+          <p:cNvPicPr>
+            <a:picLocks noChangeAspect="1"/>
+          </p:cNvPicPr>
+          <p:nvPr/>
+        </p:nvPicPr>
+        <p:blipFill>
+          <a:blip r:embed="rId3">
+            <a:extLst>
+              <a:ext uri="{28A0092B-C50C-407E-A947-70E740481C1C}">
+                <a14:useLocalDpi xmlns:a14="http://schemas.microsoft.com/office/drawing/2010/main" val="0"/>
+              </a:ext>
+            </a:extLst>
+          </a:blip>
+          <a:stretch>
+            <a:fillRect/>
+          </a:stretch>
+        </p:blipFill>
+        <p:spPr>
+          <a:xfrm>
+            <a:off x="5421829" y="4188794"/>
+            <a:ext cx="2866765" cy="2150074"/>
+          </a:xfrm>
+          <a:prstGeom prst="rect">
+            <a:avLst/>
+          </a:prstGeom>
+        </p:spPr>
+      </p:pic>
+      <p:pic>
+        <p:nvPicPr>
+          <p:cNvPr id="12" name="Picture 11" descr="Chart, scatter chart&#10;&#10;Description automatically generated">
+            <a:extLst>
+              <a:ext uri="{FF2B5EF4-FFF2-40B4-BE49-F238E27FC236}">
+                <a16:creationId xmlns:a16="http://schemas.microsoft.com/office/drawing/2014/main" id="{E4767CA5-E034-5954-2A40-1EBCA59C1A89}"/>
+              </a:ext>
+            </a:extLst>
+          </p:cNvPr>
+          <p:cNvPicPr>
+            <a:picLocks noChangeAspect="1"/>
+          </p:cNvPicPr>
+          <p:nvPr/>
+        </p:nvPicPr>
+        <p:blipFill>
+          <a:blip r:embed="rId4">
+            <a:extLst>
+              <a:ext uri="{28A0092B-C50C-407E-A947-70E740481C1C}">
+                <a14:useLocalDpi xmlns:a14="http://schemas.microsoft.com/office/drawing/2010/main" val="0"/>
+              </a:ext>
+            </a:extLst>
+          </a:blip>
+          <a:stretch>
+            <a:fillRect/>
+          </a:stretch>
+        </p:blipFill>
+        <p:spPr>
+          <a:xfrm>
+            <a:off x="8288594" y="4126862"/>
+            <a:ext cx="2866765" cy="2150074"/>
+          </a:xfrm>
+          <a:prstGeom prst="rect">
+            <a:avLst/>
+          </a:prstGeom>
+        </p:spPr>
+      </p:pic>
     </p:spTree>
   </p:cSld>
   <p:clrMapOvr>
@@ -5207,14 +5320,14 @@
           <a:p>
             <a:pPr lvl="0"/>
             <a:r>
-              <a:rPr lang="en-US">
+              <a:rPr lang="en-US" dirty="0">
                 <a:solidFill>
                   <a:srgbClr val="FFFFFF"/>
                 </a:solidFill>
               </a:rPr>
               <a:t>Algorithm 3: DBSCAN</a:t>
             </a:r>
-            <a:endParaRPr lang="en-NL">
+            <a:endParaRPr lang="en-NL" dirty="0">
               <a:solidFill>
                 <a:srgbClr val="FFFFFF"/>
               </a:solidFill>
@@ -5789,7 +5902,7 @@
             </a:pPr>
             <a:r>
               <a:rPr lang="en-US" dirty="0"/>
-              <a:t> DBSCAN results </a:t>
+              <a:t> HDBSCAN results look promising and are already useable for end result</a:t>
             </a:r>
           </a:p>
           <a:p>
